--- a/Advanced OOP/Curs_01_PAO__2022.pptx
+++ b/Advanced OOP/Curs_01_PAO__2022.pptx
@@ -180,18 +180,6 @@
     </p:ext>
   </p:extLst>
 </p:presentation>
-</file>
-
-<file path=ppt/revisionInfo.xml><?xml version="1.0" encoding="utf-8"?>
-<p1510:revInfo xmlns:a="http://schemas.openxmlformats.org/drawingml/2006/main" xmlns:r="http://schemas.openxmlformats.org/officeDocument/2006/relationships" xmlns:p1510="http://schemas.microsoft.com/office/powerpoint/2015/10/main">
-  <p1510:revLst>
-    <p1510:client id="{619FB3F3-794F-4B04-9FFB-6F432CC12603}" v="16" dt="2022-02-25T19:12:46.529"/>
-    <p1510:client id="{AA50DE52-C2D4-4A42-AD35-9B9F0BCC10A6}" v="6" dt="2022-02-25T19:09:04.822"/>
-    <p1510:client id="{B54FE504-D885-4BC1-81AF-65513517039C}" v="1" dt="2022-03-03T09:48:25.106"/>
-    <p1510:client id="{CBB9F2B2-DB01-49C8-A59D-2A22FAA89396}" v="5" dt="2022-03-03T09:43:53.568"/>
-    <p1510:client id="{F9888194-9A72-4173-B7DA-CC420A031E73}" v="29" dt="2022-02-25T19:19:22.453"/>
-  </p1510:revLst>
-</p1510:revInfo>
 </file>
 
 <file path=ppt/diagrams/colors1.xml><?xml version="1.0" encoding="utf-8"?>
@@ -21225,7 +21213,7 @@
             <a:fld id="{BDB7646E-8811-423A-9C42-2CBFADA00A96}" type="datetimeFigureOut">
               <a:rPr lang="en-US" smtClean="0"/>
               <a:pPr/>
-              <a:t>3/7/2022</a:t>
+              <a:t>3/25/2022</a:t>
             </a:fld>
             <a:endParaRPr lang="en-US"/>
           </a:p>
@@ -21400,7 +21388,7 @@
             <a:fld id="{D677E230-58DD-43ED-96A1-552DDAB53532}" type="datetimeFigureOut">
               <a:rPr lang="en-US" smtClean="0"/>
               <a:pPr/>
-              <a:t>3/7/2022</a:t>
+              <a:t>3/25/2022</a:t>
             </a:fld>
             <a:endParaRPr lang="en-US"/>
           </a:p>
@@ -22592,7 +22580,7 @@
             <a:fld id="{C2C6F8EA-316C-41DE-B9A4-EDCC3A85ED9A}" type="datetimeFigureOut">
               <a:rPr lang="en-US"/>
               <a:pPr/>
-              <a:t>3/7/2022</a:t>
+              <a:t>3/25/2022</a:t>
             </a:fld>
             <a:endParaRPr/>
           </a:p>
@@ -22808,7 +22796,7 @@
             <a:fld id="{C2C6F8EA-316C-41DE-B9A4-EDCC3A85ED9A}" type="datetimeFigureOut">
               <a:rPr lang="en-US"/>
               <a:pPr/>
-              <a:t>3/7/2022</a:t>
+              <a:t>3/25/2022</a:t>
             </a:fld>
             <a:endParaRPr/>
           </a:p>
@@ -23624,7 +23612,7 @@
             <a:fld id="{C2C6F8EA-316C-41DE-B9A4-EDCC3A85ED9A}" type="datetimeFigureOut">
               <a:rPr lang="en-US"/>
               <a:pPr/>
-              <a:t>3/7/2022</a:t>
+              <a:t>3/25/2022</a:t>
             </a:fld>
             <a:endParaRPr/>
           </a:p>
@@ -23824,7 +23812,7 @@
             <a:fld id="{C2C6F8EA-316C-41DE-B9A4-EDCC3A85ED9A}" type="datetimeFigureOut">
               <a:rPr lang="en-US"/>
               <a:pPr/>
-              <a:t>3/7/2022</a:t>
+              <a:t>3/25/2022</a:t>
             </a:fld>
             <a:endParaRPr/>
           </a:p>
@@ -24931,7 +24919,7 @@
             <a:fld id="{C2C6F8EA-316C-41DE-B9A4-EDCC3A85ED9A}" type="datetimeFigureOut">
               <a:rPr lang="en-US"/>
               <a:pPr/>
-              <a:t>3/7/2022</a:t>
+              <a:t>3/25/2022</a:t>
             </a:fld>
             <a:endParaRPr/>
           </a:p>
@@ -25405,7 +25393,7 @@
             <a:fld id="{C2C6F8EA-316C-41DE-B9A4-EDCC3A85ED9A}" type="datetimeFigureOut">
               <a:rPr lang="en-US"/>
               <a:pPr/>
-              <a:t>3/7/2022</a:t>
+              <a:t>3/25/2022</a:t>
             </a:fld>
             <a:endParaRPr/>
           </a:p>
@@ -25855,7 +25843,7 @@
             <a:fld id="{C2C6F8EA-316C-41DE-B9A4-EDCC3A85ED9A}" type="datetimeFigureOut">
               <a:rPr lang="en-US"/>
               <a:pPr/>
-              <a:t>3/7/2022</a:t>
+              <a:t>3/25/2022</a:t>
             </a:fld>
             <a:endParaRPr/>
           </a:p>
@@ -25987,7 +25975,7 @@
             <a:fld id="{C2C6F8EA-316C-41DE-B9A4-EDCC3A85ED9A}" type="datetimeFigureOut">
               <a:rPr lang="en-US"/>
               <a:pPr/>
-              <a:t>3/7/2022</a:t>
+              <a:t>3/25/2022</a:t>
             </a:fld>
             <a:endParaRPr/>
           </a:p>
@@ -26324,7 +26312,7 @@
             <a:fld id="{C2C6F8EA-316C-41DE-B9A4-EDCC3A85ED9A}" type="datetimeFigureOut">
               <a:rPr lang="en-US"/>
               <a:pPr/>
-              <a:t>3/7/2022</a:t>
+              <a:t>3/25/2022</a:t>
             </a:fld>
             <a:endParaRPr/>
           </a:p>
@@ -26817,7 +26805,7 @@
             <a:fld id="{C2C6F8EA-316C-41DE-B9A4-EDCC3A85ED9A}" type="datetimeFigureOut">
               <a:rPr lang="en-US"/>
               <a:pPr/>
-              <a:t>3/7/2022</a:t>
+              <a:t>3/25/2022</a:t>
             </a:fld>
             <a:endParaRPr/>
           </a:p>
@@ -27255,7 +27243,7 @@
             <a:fld id="{C2C6F8EA-316C-41DE-B9A4-EDCC3A85ED9A}" type="datetimeFigureOut">
               <a:rPr lang="en-US"/>
               <a:pPr/>
-              <a:t>3/7/2022</a:t>
+              <a:t>3/25/2022</a:t>
             </a:fld>
             <a:endParaRPr/>
           </a:p>
@@ -28140,7 +28128,7 @@
             <a:fld id="{C2C6F8EA-316C-41DE-B9A4-EDCC3A85ED9A}" type="datetimeFigureOut">
               <a:rPr lang="en-US"/>
               <a:pPr/>
-              <a:t>3/7/2022</a:t>
+              <a:t>3/25/2022</a:t>
             </a:fld>
             <a:endParaRPr/>
           </a:p>
@@ -32606,7 +32594,7 @@
         </p:blipFill>
         <p:spPr>
           <a:xfrm>
-            <a:off x="1979612" y="2209800"/>
+            <a:off x="1979612" y="2286000"/>
             <a:ext cx="9325601" cy="4343400"/>
           </a:xfrm>
           <a:prstGeom prst="rect">
@@ -44522,15 +44510,6 @@
 </file>
 
 <file path=customXml/item2.xml><?xml version="1.0" encoding="utf-8"?>
-<?mso-contentType ?>
-<FormTemplates xmlns="http://schemas.microsoft.com/sharepoint/v3/contenttype/forms">
-  <Display>DocumentLibraryForm</Display>
-  <Edit>DocumentLibraryForm</Edit>
-  <New>DocumentLibraryForm</New>
-</FormTemplates>
-</file>
-
-<file path=customXml/item3.xml><?xml version="1.0" encoding="utf-8"?>
 <ct:contentTypeSchema xmlns:ct="http://schemas.microsoft.com/office/2006/metadata/contentType" xmlns:ma="http://schemas.microsoft.com/office/2006/metadata/properties/metaAttributes" ct:_="" ma:_="" ma:contentTypeName="Document" ma:contentTypeID="0x01010037105B273C4DE8448CDDBEE7FB52AF9D" ma:contentTypeVersion="4" ma:contentTypeDescription="Create a new document." ma:contentTypeScope="" ma:versionID="feb8bec242bbe662d84c09f9f394d331">
   <xsd:schema xmlns:xsd="http://www.w3.org/2001/XMLSchema" xmlns:xs="http://www.w3.org/2001/XMLSchema" xmlns:p="http://schemas.microsoft.com/office/2006/metadata/properties" xmlns:ns2="849bcb71-18f6-4b5b-9727-bb6cf041d844" xmlns:ns3="703885a9-c170-4b58-a66e-527c51aa831a" targetNamespace="http://schemas.microsoft.com/office/2006/metadata/properties" ma:root="true" ma:fieldsID="af80426f7558f150808b5f8ee066fb81" ns2:_="" ns3:_="">
     <xsd:import namespace="849bcb71-18f6-4b5b-9727-bb6cf041d844"/>
@@ -44695,6 +44674,15 @@
 </ct:contentTypeSchema>
 </file>
 
+<file path=customXml/item3.xml><?xml version="1.0" encoding="utf-8"?>
+<?mso-contentType ?>
+<FormTemplates xmlns="http://schemas.microsoft.com/sharepoint/v3/contenttype/forms">
+  <Display>DocumentLibraryForm</Display>
+  <Edit>DocumentLibraryForm</Edit>
+  <New>DocumentLibraryForm</New>
+</FormTemplates>
+</file>
+
 <file path=customXml/itemProps1.xml><?xml version="1.0" encoding="utf-8"?>
 <ds:datastoreItem xmlns:ds="http://schemas.openxmlformats.org/officeDocument/2006/customXml" ds:itemID="{052666F0-43DC-4B7C-819B-EEBDFA439308}">
   <ds:schemaRefs>
@@ -44712,14 +44700,6 @@
 </file>
 
 <file path=customXml/itemProps2.xml><?xml version="1.0" encoding="utf-8"?>
-<ds:datastoreItem xmlns:ds="http://schemas.openxmlformats.org/officeDocument/2006/customXml" ds:itemID="{3C389B68-04CF-414C-AF0E-D32764EC3707}">
-  <ds:schemaRefs>
-    <ds:schemaRef ds:uri="http://schemas.microsoft.com/sharepoint/v3/contenttype/forms"/>
-  </ds:schemaRefs>
-</ds:datastoreItem>
-</file>
-
-<file path=customXml/itemProps3.xml><?xml version="1.0" encoding="utf-8"?>
 <ds:datastoreItem xmlns:ds="http://schemas.openxmlformats.org/officeDocument/2006/customXml" ds:itemID="{39C1F930-2750-4980-B034-51D7E9A3B74D}">
   <ds:schemaRefs>
     <ds:schemaRef ds:uri="http://schemas.microsoft.com/office/2006/metadata/contentType"/>
@@ -44736,4 +44716,18 @@
     <ds:schemaRef ds:uri="http://schemas.microsoft.com/internal/obd"/>
   </ds:schemaRefs>
 </ds:datastoreItem>
+</file>
+
+<file path=customXml/itemProps3.xml><?xml version="1.0" encoding="utf-8"?>
+<ds:datastoreItem xmlns:ds="http://schemas.openxmlformats.org/officeDocument/2006/customXml" ds:itemID="{3C389B68-04CF-414C-AF0E-D32764EC3707}">
+  <ds:schemaRefs>
+    <ds:schemaRef ds:uri="http://schemas.microsoft.com/sharepoint/v3/contenttype/forms"/>
+  </ds:schemaRefs>
+</ds:datastoreItem>
+</file>
+
+<file path=docMetadata/LabelInfo.xml><?xml version="1.0" encoding="utf-8"?>
+<clbl:labelList xmlns:clbl="http://schemas.microsoft.com/office/2020/mipLabelMetadata">
+  <clbl:label id="{f42aa342-8706-4288-bd11-ebb85995028c}" enabled="1" method="Standard" siteId="{72f988bf-86f1-41af-91ab-2d7cd011db47}" removed="0"/>
+</clbl:labelList>
 </file>